--- a/Android异步通信/Handler消息传递机制/Handler消息传递机制.pptx
+++ b/Android异步通信/Handler消息传递机制/Handler消息传递机制.pptx
@@ -242,7 +242,7 @@
               <a:pPr>
                 <a:defRPr/>
               </a:pPr>
-              <a:t>2013/11/16</a:t>
+              <a:t>2014/3/29</a:t>
             </a:fld>
             <a:endParaRPr lang="zh-CN" altLang="en-US"/>
           </a:p>
@@ -4323,6 +4323,13 @@
   <p:clrMapOvr>
     <a:masterClrMapping/>
   </p:clrMapOvr>
+  <p:timing>
+    <p:tnLst>
+      <p:par>
+        <p:cTn id="1" dur="indefinite" restart="never" nodeType="tmRoot"/>
+      </p:par>
+    </p:tnLst>
+  </p:timing>
 </p:sld>
 </file>
 
@@ -4623,15 +4630,23 @@
           <a:p>
             <a:r>
               <a:rPr lang="zh-CN" altLang="en-US" dirty="0" smtClean="0"/>
-              <a:t>功能概述</a:t>
+              <a:t>功能</a:t>
+            </a:r>
+            <a:r>
+              <a:rPr lang="zh-CN" altLang="en-US" dirty="0" smtClean="0"/>
+              <a:t>概述</a:t>
             </a:r>
             <a:endParaRPr lang="en-US" altLang="zh-CN" dirty="0" smtClean="0"/>
           </a:p>
           <a:p>
             <a:pPr lvl="1"/>
             <a:r>
+              <a:rPr lang="zh-CN" altLang="en-US" dirty="0"/>
+              <a:t>线程间</a:t>
+            </a:r>
+            <a:r>
               <a:rPr lang="zh-CN" altLang="en-US" dirty="0" smtClean="0"/>
-              <a:t>执行计划任务</a:t>
+              <a:t>通信</a:t>
             </a:r>
             <a:endParaRPr lang="en-US" altLang="zh-CN" dirty="0" smtClean="0"/>
           </a:p>
@@ -4639,14 +4654,26 @@
             <a:pPr lvl="1"/>
             <a:r>
               <a:rPr lang="zh-CN" altLang="en-US" dirty="0" smtClean="0"/>
-              <a:t>线程间通信</a:t>
+              <a:t>执行</a:t>
+            </a:r>
+            <a:r>
+              <a:rPr lang="zh-CN" altLang="en-US" dirty="0"/>
+              <a:t>定时</a:t>
+            </a:r>
+            <a:r>
+              <a:rPr lang="zh-CN" altLang="en-US" dirty="0" smtClean="0"/>
+              <a:t>任务</a:t>
             </a:r>
             <a:endParaRPr lang="en-US" altLang="zh-CN" dirty="0" smtClean="0"/>
           </a:p>
           <a:p>
             <a:r>
               <a:rPr lang="zh-CN" altLang="en-US" dirty="0" smtClean="0"/>
-              <a:t>使用场景</a:t>
+              <a:t>使用</a:t>
+            </a:r>
+            <a:r>
+              <a:rPr lang="zh-CN" altLang="en-US" dirty="0" smtClean="0"/>
+              <a:t>场景</a:t>
             </a:r>
             <a:endParaRPr lang="en-US" altLang="zh-CN" dirty="0" smtClean="0"/>
           </a:p>
@@ -6055,7 +6082,7 @@
                             </p:stCondLst>
                             <p:childTnLst>
                               <p:par>
-                                <p:cTn id="5" presetID="14" presetClass="entr" presetSubtype="10" fill="hold" grpId="0" nodeType="clickEffect">
+                                <p:cTn id="5" presetID="21" presetClass="entr" presetSubtype="1" fill="hold" grpId="0" nodeType="clickEffect">
                                   <p:stCondLst>
                                     <p:cond delay="0"/>
                                   </p:stCondLst>
@@ -6068,7 +6095,7 @@
                                           </p:stCondLst>
                                         </p:cTn>
                                         <p:tgtEl>
-                                          <p:spTgt spid="5"/>
+                                          <p:spTgt spid="6"/>
                                         </p:tgtEl>
                                         <p:attrNameLst>
                                           <p:attrName>style.visibility</p:attrName>
@@ -6078,11 +6105,46 @@
                                         <p:strVal val="visible"/>
                                       </p:to>
                                     </p:set>
-                                    <p:animEffect transition="in" filter="randombar(horizontal)">
+                                    <p:animEffect transition="in" filter="wheel(1)">
                                       <p:cBhvr>
-                                        <p:cTn id="7" dur="500"/>
-                                        <p:tgtEl>
-                                          <p:spTgt spid="5"/>
+                                        <p:cTn id="7" dur="2000"/>
+                                        <p:tgtEl>
+                                          <p:spTgt spid="6"/>
+                                        </p:tgtEl>
+                                      </p:cBhvr>
+                                    </p:animEffect>
+                                  </p:childTnLst>
+                                </p:cTn>
+                              </p:par>
+                              <p:par>
+                                <p:cTn id="8" presetID="21" presetClass="entr" presetSubtype="1" fill="hold" grpId="0" nodeType="withEffect">
+                                  <p:stCondLst>
+                                    <p:cond delay="0"/>
+                                  </p:stCondLst>
+                                  <p:childTnLst>
+                                    <p:set>
+                                      <p:cBhvr>
+                                        <p:cTn id="9" dur="1" fill="hold">
+                                          <p:stCondLst>
+                                            <p:cond delay="0"/>
+                                          </p:stCondLst>
+                                        </p:cTn>
+                                        <p:tgtEl>
+                                          <p:spTgt spid="7"/>
+                                        </p:tgtEl>
+                                        <p:attrNameLst>
+                                          <p:attrName>style.visibility</p:attrName>
+                                        </p:attrNameLst>
+                                      </p:cBhvr>
+                                      <p:to>
+                                        <p:strVal val="visible"/>
+                                      </p:to>
+                                    </p:set>
+                                    <p:animEffect transition="in" filter="wheel(1)">
+                                      <p:cBhvr>
+                                        <p:cTn id="10" dur="2000"/>
+                                        <p:tgtEl>
+                                          <p:spTgt spid="7"/>
                                         </p:tgtEl>
                                       </p:cBhvr>
                                     </p:animEffect>
@@ -6096,32 +6158,32 @@
                     </p:cTn>
                   </p:par>
                   <p:par>
-                    <p:cTn id="8" fill="hold">
+                    <p:cTn id="11" fill="hold">
                       <p:stCondLst>
                         <p:cond delay="indefinite"/>
                       </p:stCondLst>
                       <p:childTnLst>
                         <p:par>
-                          <p:cTn id="9" fill="hold">
+                          <p:cTn id="12" fill="hold">
                             <p:stCondLst>
                               <p:cond delay="0"/>
                             </p:stCondLst>
                             <p:childTnLst>
                               <p:par>
-                                <p:cTn id="10" presetID="14" presetClass="entr" presetSubtype="10" fill="hold" grpId="0" nodeType="clickEffect">
+                                <p:cTn id="13" presetID="21" presetClass="entr" presetSubtype="1" fill="hold" grpId="0" nodeType="clickEffect">
                                   <p:stCondLst>
                                     <p:cond delay="0"/>
                                   </p:stCondLst>
                                   <p:childTnLst>
                                     <p:set>
                                       <p:cBhvr>
-                                        <p:cTn id="11" dur="1" fill="hold">
+                                        <p:cTn id="14" dur="1" fill="hold">
                                           <p:stCondLst>
                                             <p:cond delay="0"/>
                                           </p:stCondLst>
                                         </p:cTn>
                                         <p:tgtEl>
-                                          <p:spTgt spid="4"/>
+                                          <p:spTgt spid="16"/>
                                         </p:tgtEl>
                                         <p:attrNameLst>
                                           <p:attrName>style.visibility</p:attrName>
@@ -6131,11 +6193,46 @@
                                         <p:strVal val="visible"/>
                                       </p:to>
                                     </p:set>
-                                    <p:animEffect transition="in" filter="randombar(horizontal)">
+                                    <p:animEffect transition="in" filter="wheel(1)">
                                       <p:cBhvr>
-                                        <p:cTn id="12" dur="500"/>
-                                        <p:tgtEl>
-                                          <p:spTgt spid="4"/>
+                                        <p:cTn id="15" dur="2000"/>
+                                        <p:tgtEl>
+                                          <p:spTgt spid="16"/>
+                                        </p:tgtEl>
+                                      </p:cBhvr>
+                                    </p:animEffect>
+                                  </p:childTnLst>
+                                </p:cTn>
+                              </p:par>
+                              <p:par>
+                                <p:cTn id="16" presetID="21" presetClass="entr" presetSubtype="1" fill="hold" grpId="0" nodeType="withEffect">
+                                  <p:stCondLst>
+                                    <p:cond delay="0"/>
+                                  </p:stCondLst>
+                                  <p:childTnLst>
+                                    <p:set>
+                                      <p:cBhvr>
+                                        <p:cTn id="17" dur="1" fill="hold">
+                                          <p:stCondLst>
+                                            <p:cond delay="0"/>
+                                          </p:stCondLst>
+                                        </p:cTn>
+                                        <p:tgtEl>
+                                          <p:spTgt spid="17"/>
+                                        </p:tgtEl>
+                                        <p:attrNameLst>
+                                          <p:attrName>style.visibility</p:attrName>
+                                        </p:attrNameLst>
+                                      </p:cBhvr>
+                                      <p:to>
+                                        <p:strVal val="visible"/>
+                                      </p:to>
+                                    </p:set>
+                                    <p:animEffect transition="in" filter="wheel(1)">
+                                      <p:cBhvr>
+                                        <p:cTn id="18" dur="2000"/>
+                                        <p:tgtEl>
+                                          <p:spTgt spid="17"/>
                                         </p:tgtEl>
                                       </p:cBhvr>
                                     </p:animEffect>
@@ -6149,32 +6246,32 @@
                     </p:cTn>
                   </p:par>
                   <p:par>
-                    <p:cTn id="13" fill="hold">
+                    <p:cTn id="19" fill="hold">
                       <p:stCondLst>
                         <p:cond delay="indefinite"/>
                       </p:stCondLst>
                       <p:childTnLst>
                         <p:par>
-                          <p:cTn id="14" fill="hold">
+                          <p:cTn id="20" fill="hold">
                             <p:stCondLst>
                               <p:cond delay="0"/>
                             </p:stCondLst>
                             <p:childTnLst>
                               <p:par>
-                                <p:cTn id="15" presetID="21" presetClass="entr" presetSubtype="1" fill="hold" grpId="0" nodeType="clickEffect">
+                                <p:cTn id="21" presetID="22" presetClass="entr" presetSubtype="4" fill="hold" nodeType="clickEffect">
                                   <p:stCondLst>
                                     <p:cond delay="0"/>
                                   </p:stCondLst>
                                   <p:childTnLst>
                                     <p:set>
                                       <p:cBhvr>
-                                        <p:cTn id="16" dur="1" fill="hold">
+                                        <p:cTn id="22" dur="1" fill="hold">
                                           <p:stCondLst>
                                             <p:cond delay="0"/>
                                           </p:stCondLst>
                                         </p:cTn>
                                         <p:tgtEl>
-                                          <p:spTgt spid="6"/>
+                                          <p:spTgt spid="14"/>
                                         </p:tgtEl>
                                         <p:attrNameLst>
                                           <p:attrName>style.visibility</p:attrName>
@@ -6184,11 +6281,11 @@
                                         <p:strVal val="visible"/>
                                       </p:to>
                                     </p:set>
-                                    <p:animEffect transition="in" filter="wheel(1)">
+                                    <p:animEffect transition="in" filter="wipe(down)">
                                       <p:cBhvr>
-                                        <p:cTn id="17" dur="2000"/>
-                                        <p:tgtEl>
-                                          <p:spTgt spid="6"/>
+                                        <p:cTn id="23" dur="500"/>
+                                        <p:tgtEl>
+                                          <p:spTgt spid="14"/>
                                         </p:tgtEl>
                                       </p:cBhvr>
                                     </p:animEffect>
@@ -6196,20 +6293,20 @@
                                 </p:cTn>
                               </p:par>
                               <p:par>
-                                <p:cTn id="18" presetID="21" presetClass="entr" presetSubtype="1" fill="hold" grpId="0" nodeType="withEffect">
+                                <p:cTn id="24" presetID="22" presetClass="entr" presetSubtype="4" fill="hold" nodeType="withEffect">
                                   <p:stCondLst>
                                     <p:cond delay="0"/>
                                   </p:stCondLst>
                                   <p:childTnLst>
                                     <p:set>
                                       <p:cBhvr>
-                                        <p:cTn id="19" dur="1" fill="hold">
+                                        <p:cTn id="25" dur="1" fill="hold">
                                           <p:stCondLst>
                                             <p:cond delay="0"/>
                                           </p:stCondLst>
                                         </p:cTn>
                                         <p:tgtEl>
-                                          <p:spTgt spid="7"/>
+                                          <p:spTgt spid="21"/>
                                         </p:tgtEl>
                                         <p:attrNameLst>
                                           <p:attrName>style.visibility</p:attrName>
@@ -6219,11 +6316,46 @@
                                         <p:strVal val="visible"/>
                                       </p:to>
                                     </p:set>
-                                    <p:animEffect transition="in" filter="wheel(1)">
+                                    <p:animEffect transition="in" filter="wipe(down)">
                                       <p:cBhvr>
-                                        <p:cTn id="20" dur="2000"/>
-                                        <p:tgtEl>
-                                          <p:spTgt spid="7"/>
+                                        <p:cTn id="26" dur="500"/>
+                                        <p:tgtEl>
+                                          <p:spTgt spid="21"/>
+                                        </p:tgtEl>
+                                      </p:cBhvr>
+                                    </p:animEffect>
+                                  </p:childTnLst>
+                                </p:cTn>
+                              </p:par>
+                              <p:par>
+                                <p:cTn id="27" presetID="22" presetClass="entr" presetSubtype="4" fill="hold" grpId="0" nodeType="withEffect">
+                                  <p:stCondLst>
+                                    <p:cond delay="0"/>
+                                  </p:stCondLst>
+                                  <p:childTnLst>
+                                    <p:set>
+                                      <p:cBhvr>
+                                        <p:cTn id="28" dur="1" fill="hold">
+                                          <p:stCondLst>
+                                            <p:cond delay="0"/>
+                                          </p:stCondLst>
+                                        </p:cTn>
+                                        <p:tgtEl>
+                                          <p:spTgt spid="15"/>
+                                        </p:tgtEl>
+                                        <p:attrNameLst>
+                                          <p:attrName>style.visibility</p:attrName>
+                                        </p:attrNameLst>
+                                      </p:cBhvr>
+                                      <p:to>
+                                        <p:strVal val="visible"/>
+                                      </p:to>
+                                    </p:set>
+                                    <p:animEffect transition="in" filter="wipe(down)">
+                                      <p:cBhvr>
+                                        <p:cTn id="29" dur="500"/>
+                                        <p:tgtEl>
+                                          <p:spTgt spid="15"/>
                                         </p:tgtEl>
                                       </p:cBhvr>
                                     </p:animEffect>
@@ -6237,237 +6369,26 @@
                     </p:cTn>
                   </p:par>
                   <p:par>
-                    <p:cTn id="21" fill="hold">
+                    <p:cTn id="30" fill="hold">
                       <p:stCondLst>
                         <p:cond delay="indefinite"/>
                       </p:stCondLst>
                       <p:childTnLst>
                         <p:par>
-                          <p:cTn id="22" fill="hold">
+                          <p:cTn id="31" fill="hold">
                             <p:stCondLst>
                               <p:cond delay="0"/>
                             </p:stCondLst>
                             <p:childTnLst>
                               <p:par>
-                                <p:cTn id="23" presetID="21" presetClass="entr" presetSubtype="1" fill="hold" grpId="0" nodeType="clickEffect">
+                                <p:cTn id="32" presetID="53" presetClass="entr" presetSubtype="16" fill="hold" grpId="0" nodeType="clickEffect">
                                   <p:stCondLst>
                                     <p:cond delay="0"/>
                                   </p:stCondLst>
                                   <p:childTnLst>
                                     <p:set>
                                       <p:cBhvr>
-                                        <p:cTn id="24" dur="1" fill="hold">
-                                          <p:stCondLst>
-                                            <p:cond delay="0"/>
-                                          </p:stCondLst>
-                                        </p:cTn>
-                                        <p:tgtEl>
-                                          <p:spTgt spid="16"/>
-                                        </p:tgtEl>
-                                        <p:attrNameLst>
-                                          <p:attrName>style.visibility</p:attrName>
-                                        </p:attrNameLst>
-                                      </p:cBhvr>
-                                      <p:to>
-                                        <p:strVal val="visible"/>
-                                      </p:to>
-                                    </p:set>
-                                    <p:animEffect transition="in" filter="wheel(1)">
-                                      <p:cBhvr>
-                                        <p:cTn id="25" dur="2000"/>
-                                        <p:tgtEl>
-                                          <p:spTgt spid="16"/>
-                                        </p:tgtEl>
-                                      </p:cBhvr>
-                                    </p:animEffect>
-                                  </p:childTnLst>
-                                </p:cTn>
-                              </p:par>
-                              <p:par>
-                                <p:cTn id="26" presetID="21" presetClass="entr" presetSubtype="1" fill="hold" grpId="0" nodeType="withEffect">
-                                  <p:stCondLst>
-                                    <p:cond delay="0"/>
-                                  </p:stCondLst>
-                                  <p:childTnLst>
-                                    <p:set>
-                                      <p:cBhvr>
-                                        <p:cTn id="27" dur="1" fill="hold">
-                                          <p:stCondLst>
-                                            <p:cond delay="0"/>
-                                          </p:stCondLst>
-                                        </p:cTn>
-                                        <p:tgtEl>
-                                          <p:spTgt spid="17"/>
-                                        </p:tgtEl>
-                                        <p:attrNameLst>
-                                          <p:attrName>style.visibility</p:attrName>
-                                        </p:attrNameLst>
-                                      </p:cBhvr>
-                                      <p:to>
-                                        <p:strVal val="visible"/>
-                                      </p:to>
-                                    </p:set>
-                                    <p:animEffect transition="in" filter="wheel(1)">
-                                      <p:cBhvr>
-                                        <p:cTn id="28" dur="2000"/>
-                                        <p:tgtEl>
-                                          <p:spTgt spid="17"/>
-                                        </p:tgtEl>
-                                      </p:cBhvr>
-                                    </p:animEffect>
-                                  </p:childTnLst>
-                                </p:cTn>
-                              </p:par>
-                            </p:childTnLst>
-                          </p:cTn>
-                        </p:par>
-                      </p:childTnLst>
-                    </p:cTn>
-                  </p:par>
-                  <p:par>
-                    <p:cTn id="29" fill="hold">
-                      <p:stCondLst>
-                        <p:cond delay="indefinite"/>
-                      </p:stCondLst>
-                      <p:childTnLst>
-                        <p:par>
-                          <p:cTn id="30" fill="hold">
-                            <p:stCondLst>
-                              <p:cond delay="0"/>
-                            </p:stCondLst>
-                            <p:childTnLst>
-                              <p:par>
-                                <p:cTn id="31" presetID="22" presetClass="entr" presetSubtype="4" fill="hold" nodeType="clickEffect">
-                                  <p:stCondLst>
-                                    <p:cond delay="0"/>
-                                  </p:stCondLst>
-                                  <p:childTnLst>
-                                    <p:set>
-                                      <p:cBhvr>
-                                        <p:cTn id="32" dur="1" fill="hold">
-                                          <p:stCondLst>
-                                            <p:cond delay="0"/>
-                                          </p:stCondLst>
-                                        </p:cTn>
-                                        <p:tgtEl>
-                                          <p:spTgt spid="14"/>
-                                        </p:tgtEl>
-                                        <p:attrNameLst>
-                                          <p:attrName>style.visibility</p:attrName>
-                                        </p:attrNameLst>
-                                      </p:cBhvr>
-                                      <p:to>
-                                        <p:strVal val="visible"/>
-                                      </p:to>
-                                    </p:set>
-                                    <p:animEffect transition="in" filter="wipe(down)">
-                                      <p:cBhvr>
-                                        <p:cTn id="33" dur="500"/>
-                                        <p:tgtEl>
-                                          <p:spTgt spid="14"/>
-                                        </p:tgtEl>
-                                      </p:cBhvr>
-                                    </p:animEffect>
-                                  </p:childTnLst>
-                                </p:cTn>
-                              </p:par>
-                              <p:par>
-                                <p:cTn id="34" presetID="22" presetClass="entr" presetSubtype="4" fill="hold" nodeType="withEffect">
-                                  <p:stCondLst>
-                                    <p:cond delay="0"/>
-                                  </p:stCondLst>
-                                  <p:childTnLst>
-                                    <p:set>
-                                      <p:cBhvr>
-                                        <p:cTn id="35" dur="1" fill="hold">
-                                          <p:stCondLst>
-                                            <p:cond delay="0"/>
-                                          </p:stCondLst>
-                                        </p:cTn>
-                                        <p:tgtEl>
-                                          <p:spTgt spid="21"/>
-                                        </p:tgtEl>
-                                        <p:attrNameLst>
-                                          <p:attrName>style.visibility</p:attrName>
-                                        </p:attrNameLst>
-                                      </p:cBhvr>
-                                      <p:to>
-                                        <p:strVal val="visible"/>
-                                      </p:to>
-                                    </p:set>
-                                    <p:animEffect transition="in" filter="wipe(down)">
-                                      <p:cBhvr>
-                                        <p:cTn id="36" dur="500"/>
-                                        <p:tgtEl>
-                                          <p:spTgt spid="21"/>
-                                        </p:tgtEl>
-                                      </p:cBhvr>
-                                    </p:animEffect>
-                                  </p:childTnLst>
-                                </p:cTn>
-                              </p:par>
-                              <p:par>
-                                <p:cTn id="37" presetID="22" presetClass="entr" presetSubtype="4" fill="hold" grpId="0" nodeType="withEffect">
-                                  <p:stCondLst>
-                                    <p:cond delay="0"/>
-                                  </p:stCondLst>
-                                  <p:childTnLst>
-                                    <p:set>
-                                      <p:cBhvr>
-                                        <p:cTn id="38" dur="1" fill="hold">
-                                          <p:stCondLst>
-                                            <p:cond delay="0"/>
-                                          </p:stCondLst>
-                                        </p:cTn>
-                                        <p:tgtEl>
-                                          <p:spTgt spid="15"/>
-                                        </p:tgtEl>
-                                        <p:attrNameLst>
-                                          <p:attrName>style.visibility</p:attrName>
-                                        </p:attrNameLst>
-                                      </p:cBhvr>
-                                      <p:to>
-                                        <p:strVal val="visible"/>
-                                      </p:to>
-                                    </p:set>
-                                    <p:animEffect transition="in" filter="wipe(down)">
-                                      <p:cBhvr>
-                                        <p:cTn id="39" dur="500"/>
-                                        <p:tgtEl>
-                                          <p:spTgt spid="15"/>
-                                        </p:tgtEl>
-                                      </p:cBhvr>
-                                    </p:animEffect>
-                                  </p:childTnLst>
-                                </p:cTn>
-                              </p:par>
-                            </p:childTnLst>
-                          </p:cTn>
-                        </p:par>
-                      </p:childTnLst>
-                    </p:cTn>
-                  </p:par>
-                  <p:par>
-                    <p:cTn id="40" fill="hold">
-                      <p:stCondLst>
-                        <p:cond delay="indefinite"/>
-                      </p:stCondLst>
-                      <p:childTnLst>
-                        <p:par>
-                          <p:cTn id="41" fill="hold">
-                            <p:stCondLst>
-                              <p:cond delay="0"/>
-                            </p:stCondLst>
-                            <p:childTnLst>
-                              <p:par>
-                                <p:cTn id="42" presetID="53" presetClass="entr" presetSubtype="16" fill="hold" grpId="0" nodeType="clickEffect">
-                                  <p:stCondLst>
-                                    <p:cond delay="0"/>
-                                  </p:stCondLst>
-                                  <p:childTnLst>
-                                    <p:set>
-                                      <p:cBhvr>
-                                        <p:cTn id="43" dur="1" fill="hold">
+                                        <p:cTn id="33" dur="1" fill="hold">
                                           <p:stCondLst>
                                             <p:cond delay="0"/>
                                           </p:stCondLst>
@@ -6485,7 +6406,7 @@
                                     </p:set>
                                     <p:anim calcmode="lin" valueType="num">
                                       <p:cBhvr>
-                                        <p:cTn id="44" dur="500" fill="hold"/>
+                                        <p:cTn id="34" dur="500" fill="hold"/>
                                         <p:tgtEl>
                                           <p:spTgt spid="12"/>
                                         </p:tgtEl>
@@ -6508,7 +6429,7 @@
                                     </p:anim>
                                     <p:anim calcmode="lin" valueType="num">
                                       <p:cBhvr>
-                                        <p:cTn id="45" dur="500" fill="hold"/>
+                                        <p:cTn id="35" dur="500" fill="hold"/>
                                         <p:tgtEl>
                                           <p:spTgt spid="12"/>
                                         </p:tgtEl>
@@ -6531,12 +6452,176 @@
                                     </p:anim>
                                     <p:animEffect transition="in" filter="fade">
                                       <p:cBhvr>
-                                        <p:cTn id="46" dur="500"/>
+                                        <p:cTn id="36" dur="500"/>
                                         <p:tgtEl>
                                           <p:spTgt spid="12"/>
                                         </p:tgtEl>
                                       </p:cBhvr>
                                     </p:animEffect>
+                                  </p:childTnLst>
+                                </p:cTn>
+                              </p:par>
+                            </p:childTnLst>
+                          </p:cTn>
+                        </p:par>
+                      </p:childTnLst>
+                    </p:cTn>
+                  </p:par>
+                  <p:par>
+                    <p:cTn id="37" fill="hold">
+                      <p:stCondLst>
+                        <p:cond delay="indefinite"/>
+                      </p:stCondLst>
+                      <p:childTnLst>
+                        <p:par>
+                          <p:cTn id="38" fill="hold">
+                            <p:stCondLst>
+                              <p:cond delay="0"/>
+                            </p:stCondLst>
+                            <p:childTnLst>
+                              <p:par>
+                                <p:cTn id="39" presetID="2" presetClass="entr" presetSubtype="4" fill="hold" grpId="0" nodeType="clickEffect">
+                                  <p:stCondLst>
+                                    <p:cond delay="0"/>
+                                  </p:stCondLst>
+                                  <p:childTnLst>
+                                    <p:set>
+                                      <p:cBhvr>
+                                        <p:cTn id="40" dur="1" fill="hold">
+                                          <p:stCondLst>
+                                            <p:cond delay="0"/>
+                                          </p:stCondLst>
+                                        </p:cTn>
+                                        <p:tgtEl>
+                                          <p:spTgt spid="11"/>
+                                        </p:tgtEl>
+                                        <p:attrNameLst>
+                                          <p:attrName>style.visibility</p:attrName>
+                                        </p:attrNameLst>
+                                      </p:cBhvr>
+                                      <p:to>
+                                        <p:strVal val="visible"/>
+                                      </p:to>
+                                    </p:set>
+                                    <p:anim calcmode="lin" valueType="num">
+                                      <p:cBhvr additive="base">
+                                        <p:cTn id="41" dur="500" fill="hold"/>
+                                        <p:tgtEl>
+                                          <p:spTgt spid="11"/>
+                                        </p:tgtEl>
+                                        <p:attrNameLst>
+                                          <p:attrName>ppt_x</p:attrName>
+                                        </p:attrNameLst>
+                                      </p:cBhvr>
+                                      <p:tavLst>
+                                        <p:tav tm="0">
+                                          <p:val>
+                                            <p:strVal val="#ppt_x"/>
+                                          </p:val>
+                                        </p:tav>
+                                        <p:tav tm="100000">
+                                          <p:val>
+                                            <p:strVal val="#ppt_x"/>
+                                          </p:val>
+                                        </p:tav>
+                                      </p:tavLst>
+                                    </p:anim>
+                                    <p:anim calcmode="lin" valueType="num">
+                                      <p:cBhvr additive="base">
+                                        <p:cTn id="42" dur="500" fill="hold"/>
+                                        <p:tgtEl>
+                                          <p:spTgt spid="11"/>
+                                        </p:tgtEl>
+                                        <p:attrNameLst>
+                                          <p:attrName>ppt_y</p:attrName>
+                                        </p:attrNameLst>
+                                      </p:cBhvr>
+                                      <p:tavLst>
+                                        <p:tav tm="0">
+                                          <p:val>
+                                            <p:strVal val="1+#ppt_h/2"/>
+                                          </p:val>
+                                        </p:tav>
+                                        <p:tav tm="100000">
+                                          <p:val>
+                                            <p:strVal val="#ppt_y"/>
+                                          </p:val>
+                                        </p:tav>
+                                      </p:tavLst>
+                                    </p:anim>
+                                  </p:childTnLst>
+                                </p:cTn>
+                              </p:par>
+                              <p:par>
+                                <p:cTn id="43" presetID="2" presetClass="entr" presetSubtype="4" fill="hold" grpId="0" nodeType="withEffect">
+                                  <p:stCondLst>
+                                    <p:cond delay="0"/>
+                                  </p:stCondLst>
+                                  <p:childTnLst>
+                                    <p:set>
+                                      <p:cBhvr>
+                                        <p:cTn id="44" dur="1" fill="hold">
+                                          <p:stCondLst>
+                                            <p:cond delay="0"/>
+                                          </p:stCondLst>
+                                        </p:cTn>
+                                        <p:tgtEl>
+                                          <p:spTgt spid="10"/>
+                                        </p:tgtEl>
+                                        <p:attrNameLst>
+                                          <p:attrName>style.visibility</p:attrName>
+                                        </p:attrNameLst>
+                                      </p:cBhvr>
+                                      <p:to>
+                                        <p:strVal val="visible"/>
+                                      </p:to>
+                                    </p:set>
+                                    <p:anim calcmode="lin" valueType="num">
+                                      <p:cBhvr additive="base">
+                                        <p:cTn id="45" dur="500" fill="hold"/>
+                                        <p:tgtEl>
+                                          <p:spTgt spid="10"/>
+                                        </p:tgtEl>
+                                        <p:attrNameLst>
+                                          <p:attrName>ppt_x</p:attrName>
+                                        </p:attrNameLst>
+                                      </p:cBhvr>
+                                      <p:tavLst>
+                                        <p:tav tm="0">
+                                          <p:val>
+                                            <p:strVal val="#ppt_x"/>
+                                          </p:val>
+                                        </p:tav>
+                                        <p:tav tm="100000">
+                                          <p:val>
+                                            <p:strVal val="#ppt_x"/>
+                                          </p:val>
+                                        </p:tav>
+                                      </p:tavLst>
+                                    </p:anim>
+                                    <p:anim calcmode="lin" valueType="num">
+                                      <p:cBhvr additive="base">
+                                        <p:cTn id="46" dur="500" fill="hold"/>
+                                        <p:tgtEl>
+                                          <p:spTgt spid="10"/>
+                                        </p:tgtEl>
+                                        <p:attrNameLst>
+                                          <p:attrName>ppt_y</p:attrName>
+                                        </p:attrNameLst>
+                                      </p:cBhvr>
+                                      <p:tavLst>
+                                        <p:tav tm="0">
+                                          <p:val>
+                                            <p:strVal val="1+#ppt_h/2"/>
+                                          </p:val>
+                                        </p:tav>
+                                        <p:tav tm="100000">
+                                          <p:val>
+                                            <p:strVal val="#ppt_y"/>
+                                          </p:val>
+                                        </p:tav>
+                                      </p:tavLst>
+                                    </p:anim>
                                   </p:childTnLst>
                                 </p:cTn>
                               </p:par>
@@ -6559,80 +6644,47 @@
                             </p:stCondLst>
                             <p:childTnLst>
                               <p:par>
-                                <p:cTn id="49" presetID="2" presetClass="entr" presetSubtype="4" fill="hold" grpId="0" nodeType="clickEffect">
+                                <p:cTn id="49" presetID="42" presetClass="path" presetSubtype="0" accel="50000" decel="50000" fill="hold" grpId="1" nodeType="clickEffect">
                                   <p:stCondLst>
                                     <p:cond delay="0"/>
                                   </p:stCondLst>
                                   <p:childTnLst>
-                                    <p:set>
+                                    <p:animMotion origin="layout" path="M -1.11111E-6 1.21387E-6 L -1.11111E-6 0.29896 " pathEditMode="relative" rAng="0" ptsTypes="AA">
                                       <p:cBhvr>
-                                        <p:cTn id="50" dur="1" fill="hold">
-                                          <p:stCondLst>
-                                            <p:cond delay="0"/>
-                                          </p:stCondLst>
-                                        </p:cTn>
-                                        <p:tgtEl>
-                                          <p:spTgt spid="11"/>
-                                        </p:tgtEl>
-                                        <p:attrNameLst>
-                                          <p:attrName>style.visibility</p:attrName>
-                                        </p:attrNameLst>
-                                      </p:cBhvr>
-                                      <p:to>
-                                        <p:strVal val="visible"/>
-                                      </p:to>
-                                    </p:set>
-                                    <p:anim calcmode="lin" valueType="num">
-                                      <p:cBhvr additive="base">
-                                        <p:cTn id="51" dur="500" fill="hold"/>
-                                        <p:tgtEl>
-                                          <p:spTgt spid="11"/>
+                                        <p:cTn id="50" dur="2000" fill="hold"/>
+                                        <p:tgtEl>
+                                          <p:spTgt spid="12"/>
                                         </p:tgtEl>
                                         <p:attrNameLst>
                                           <p:attrName>ppt_x</p:attrName>
-                                        </p:attrNameLst>
-                                      </p:cBhvr>
-                                      <p:tavLst>
-                                        <p:tav tm="0">
-                                          <p:val>
-                                            <p:strVal val="#ppt_x"/>
-                                          </p:val>
-                                        </p:tav>
-                                        <p:tav tm="100000">
-                                          <p:val>
-                                            <p:strVal val="#ppt_x"/>
-                                          </p:val>
-                                        </p:tav>
-                                      </p:tavLst>
-                                    </p:anim>
-                                    <p:anim calcmode="lin" valueType="num">
-                                      <p:cBhvr additive="base">
-                                        <p:cTn id="52" dur="500" fill="hold"/>
-                                        <p:tgtEl>
-                                          <p:spTgt spid="11"/>
-                                        </p:tgtEl>
-                                        <p:attrNameLst>
                                           <p:attrName>ppt_y</p:attrName>
                                         </p:attrNameLst>
                                       </p:cBhvr>
-                                      <p:tavLst>
-                                        <p:tav tm="0">
-                                          <p:val>
-                                            <p:strVal val="1+#ppt_h/2"/>
-                                          </p:val>
-                                        </p:tav>
-                                        <p:tav tm="100000">
-                                          <p:val>
-                                            <p:strVal val="#ppt_y"/>
-                                          </p:val>
-                                        </p:tav>
-                                      </p:tavLst>
-                                    </p:anim>
+                                      <p:rCtr x="0" y="14936"/>
+                                    </p:animMotion>
                                   </p:childTnLst>
                                 </p:cTn>
                               </p:par>
+                            </p:childTnLst>
+                          </p:cTn>
+                        </p:par>
+                      </p:childTnLst>
+                    </p:cTn>
+                  </p:par>
+                  <p:par>
+                    <p:cTn id="51" fill="hold">
+                      <p:stCondLst>
+                        <p:cond delay="indefinite"/>
+                      </p:stCondLst>
+                      <p:childTnLst>
+                        <p:par>
+                          <p:cTn id="52" fill="hold">
+                            <p:stCondLst>
+                              <p:cond delay="0"/>
+                            </p:stCondLst>
+                            <p:childTnLst>
                               <p:par>
-                                <p:cTn id="53" presetID="2" presetClass="entr" presetSubtype="4" fill="hold" grpId="0" nodeType="withEffect">
+                                <p:cTn id="53" presetID="2" presetClass="entr" presetSubtype="4" fill="hold" grpId="0" nodeType="clickEffect">
                                   <p:stCondLst>
                                     <p:cond delay="0"/>
                                   </p:stCondLst>
@@ -6645,7 +6697,7 @@
                                           </p:stCondLst>
                                         </p:cTn>
                                         <p:tgtEl>
-                                          <p:spTgt spid="10"/>
+                                          <p:spTgt spid="19"/>
                                         </p:tgtEl>
                                         <p:attrNameLst>
                                           <p:attrName>style.visibility</p:attrName>
@@ -6659,7 +6711,7 @@
                                       <p:cBhvr additive="base">
                                         <p:cTn id="55" dur="500" fill="hold"/>
                                         <p:tgtEl>
-                                          <p:spTgt spid="10"/>
+                                          <p:spTgt spid="19"/>
                                         </p:tgtEl>
                                         <p:attrNameLst>
                                           <p:attrName>ppt_x</p:attrName>
@@ -6682,7 +6734,7 @@
                                       <p:cBhvr additive="base">
                                         <p:cTn id="56" dur="500" fill="hold"/>
                                         <p:tgtEl>
-                                          <p:spTgt spid="10"/>
+                                          <p:spTgt spid="19"/>
                                         </p:tgtEl>
                                         <p:attrNameLst>
                                           <p:attrName>ppt_y</p:attrName>
@@ -6723,12 +6775,12 @@
                             </p:stCondLst>
                             <p:childTnLst>
                               <p:par>
-                                <p:cTn id="59" presetID="42" presetClass="path" presetSubtype="0" accel="50000" decel="50000" fill="hold" grpId="1" nodeType="clickEffect">
+                                <p:cTn id="59" presetID="50" presetClass="path" presetSubtype="0" accel="50000" decel="50000" fill="hold" grpId="2" nodeType="clickEffect">
                                   <p:stCondLst>
                                     <p:cond delay="0"/>
                                   </p:stCondLst>
                                   <p:childTnLst>
-                                    <p:animMotion origin="layout" path="M -1.11111E-6 1.21387E-6 L -1.11111E-6 0.29896 " pathEditMode="relative" rAng="0" ptsTypes="AA">
+                                    <p:animMotion origin="layout" path="M -1.11111E-6 0.2993 L -1.11111E-6 0.41898 C 0.00139 0.47315 0.03056 0.54143 0.05486 0.54143 L 0.10642 0.54143 " pathEditMode="relative" rAng="5400000" ptsTypes="FfFF">
                                       <p:cBhvr>
                                         <p:cTn id="60" dur="2000" fill="hold"/>
                                         <p:tgtEl>
@@ -6739,7 +6791,7 @@
                                           <p:attrName>ppt_y</p:attrName>
                                         </p:attrNameLst>
                                       </p:cBhvr>
-                                      <p:rCtr x="0" y="14936"/>
+                                      <p:rCtr x="5313" y="12106"/>
                                     </p:animMotion>
                                   </p:childTnLst>
                                 </p:cTn>
@@ -6763,7 +6815,7 @@
                             </p:stCondLst>
                             <p:childTnLst>
                               <p:par>
-                                <p:cTn id="63" presetID="2" presetClass="entr" presetSubtype="4" fill="hold" grpId="0" nodeType="clickEffect">
+                                <p:cTn id="63" presetID="53" presetClass="entr" presetSubtype="16" fill="hold" grpId="0" nodeType="clickEffect">
                                   <p:stCondLst>
                                     <p:cond delay="0"/>
                                   </p:stCondLst>
@@ -6776,137 +6828,6 @@
                                           </p:stCondLst>
                                         </p:cTn>
                                         <p:tgtEl>
-                                          <p:spTgt spid="19"/>
-                                        </p:tgtEl>
-                                        <p:attrNameLst>
-                                          <p:attrName>style.visibility</p:attrName>
-                                        </p:attrNameLst>
-                                      </p:cBhvr>
-                                      <p:to>
-                                        <p:strVal val="visible"/>
-                                      </p:to>
-                                    </p:set>
-                                    <p:anim calcmode="lin" valueType="num">
-                                      <p:cBhvr additive="base">
-                                        <p:cTn id="65" dur="500" fill="hold"/>
-                                        <p:tgtEl>
-                                          <p:spTgt spid="19"/>
-                                        </p:tgtEl>
-                                        <p:attrNameLst>
-                                          <p:attrName>ppt_x</p:attrName>
-                                        </p:attrNameLst>
-                                      </p:cBhvr>
-                                      <p:tavLst>
-                                        <p:tav tm="0">
-                                          <p:val>
-                                            <p:strVal val="#ppt_x"/>
-                                          </p:val>
-                                        </p:tav>
-                                        <p:tav tm="100000">
-                                          <p:val>
-                                            <p:strVal val="#ppt_x"/>
-                                          </p:val>
-                                        </p:tav>
-                                      </p:tavLst>
-                                    </p:anim>
-                                    <p:anim calcmode="lin" valueType="num">
-                                      <p:cBhvr additive="base">
-                                        <p:cTn id="66" dur="500" fill="hold"/>
-                                        <p:tgtEl>
-                                          <p:spTgt spid="19"/>
-                                        </p:tgtEl>
-                                        <p:attrNameLst>
-                                          <p:attrName>ppt_y</p:attrName>
-                                        </p:attrNameLst>
-                                      </p:cBhvr>
-                                      <p:tavLst>
-                                        <p:tav tm="0">
-                                          <p:val>
-                                            <p:strVal val="1+#ppt_h/2"/>
-                                          </p:val>
-                                        </p:tav>
-                                        <p:tav tm="100000">
-                                          <p:val>
-                                            <p:strVal val="#ppt_y"/>
-                                          </p:val>
-                                        </p:tav>
-                                      </p:tavLst>
-                                    </p:anim>
-                                  </p:childTnLst>
-                                </p:cTn>
-                              </p:par>
-                            </p:childTnLst>
-                          </p:cTn>
-                        </p:par>
-                      </p:childTnLst>
-                    </p:cTn>
-                  </p:par>
-                  <p:par>
-                    <p:cTn id="67" fill="hold">
-                      <p:stCondLst>
-                        <p:cond delay="indefinite"/>
-                      </p:stCondLst>
-                      <p:childTnLst>
-                        <p:par>
-                          <p:cTn id="68" fill="hold">
-                            <p:stCondLst>
-                              <p:cond delay="0"/>
-                            </p:stCondLst>
-                            <p:childTnLst>
-                              <p:par>
-                                <p:cTn id="69" presetID="50" presetClass="path" presetSubtype="0" accel="50000" decel="50000" fill="hold" grpId="2" nodeType="clickEffect">
-                                  <p:stCondLst>
-                                    <p:cond delay="0"/>
-                                  </p:stCondLst>
-                                  <p:childTnLst>
-                                    <p:animMotion origin="layout" path="M -1.11111E-6 0.2993 L -1.11111E-6 0.41898 C 0.00139 0.47315 0.03056 0.54143 0.05486 0.54143 L 0.10642 0.54143 " pathEditMode="relative" rAng="5400000" ptsTypes="FfFF">
-                                      <p:cBhvr>
-                                        <p:cTn id="70" dur="2000" fill="hold"/>
-                                        <p:tgtEl>
-                                          <p:spTgt spid="12"/>
-                                        </p:tgtEl>
-                                        <p:attrNameLst>
-                                          <p:attrName>ppt_x</p:attrName>
-                                          <p:attrName>ppt_y</p:attrName>
-                                        </p:attrNameLst>
-                                      </p:cBhvr>
-                                      <p:rCtr x="5313" y="12106"/>
-                                    </p:animMotion>
-                                  </p:childTnLst>
-                                </p:cTn>
-                              </p:par>
-                            </p:childTnLst>
-                          </p:cTn>
-                        </p:par>
-                      </p:childTnLst>
-                    </p:cTn>
-                  </p:par>
-                  <p:par>
-                    <p:cTn id="71" fill="hold">
-                      <p:stCondLst>
-                        <p:cond delay="indefinite"/>
-                      </p:stCondLst>
-                      <p:childTnLst>
-                        <p:par>
-                          <p:cTn id="72" fill="hold">
-                            <p:stCondLst>
-                              <p:cond delay="0"/>
-                            </p:stCondLst>
-                            <p:childTnLst>
-                              <p:par>
-                                <p:cTn id="73" presetID="53" presetClass="entr" presetSubtype="16" fill="hold" grpId="0" nodeType="clickEffect">
-                                  <p:stCondLst>
-                                    <p:cond delay="0"/>
-                                  </p:stCondLst>
-                                  <p:childTnLst>
-                                    <p:set>
-                                      <p:cBhvr>
-                                        <p:cTn id="74" dur="1" fill="hold">
-                                          <p:stCondLst>
-                                            <p:cond delay="0"/>
-                                          </p:stCondLst>
-                                        </p:cTn>
-                                        <p:tgtEl>
                                           <p:spTgt spid="22"/>
                                         </p:tgtEl>
                                         <p:attrNameLst>
@@ -6919,7 +6840,7 @@
                                     </p:set>
                                     <p:anim calcmode="lin" valueType="num">
                                       <p:cBhvr>
-                                        <p:cTn id="75" dur="500" fill="hold"/>
+                                        <p:cTn id="65" dur="500" fill="hold"/>
                                         <p:tgtEl>
                                           <p:spTgt spid="22"/>
                                         </p:tgtEl>
@@ -6942,7 +6863,7 @@
                                     </p:anim>
                                     <p:anim calcmode="lin" valueType="num">
                                       <p:cBhvr>
-                                        <p:cTn id="76" dur="500" fill="hold"/>
+                                        <p:cTn id="66" dur="500" fill="hold"/>
                                         <p:tgtEl>
                                           <p:spTgt spid="22"/>
                                         </p:tgtEl>
@@ -6965,7 +6886,7 @@
                                     </p:anim>
                                     <p:animEffect transition="in" filter="fade">
                                       <p:cBhvr>
-                                        <p:cTn id="77" dur="500"/>
+                                        <p:cTn id="67" dur="500"/>
                                         <p:tgtEl>
                                           <p:spTgt spid="22"/>
                                         </p:tgtEl>
@@ -6981,26 +6902,26 @@
                     </p:cTn>
                   </p:par>
                   <p:par>
-                    <p:cTn id="78" fill="hold">
+                    <p:cTn id="68" fill="hold">
                       <p:stCondLst>
                         <p:cond delay="indefinite"/>
                       </p:stCondLst>
                       <p:childTnLst>
                         <p:par>
-                          <p:cTn id="79" fill="hold">
+                          <p:cTn id="69" fill="hold">
                             <p:stCondLst>
                               <p:cond delay="0"/>
                             </p:stCondLst>
                             <p:childTnLst>
                               <p:par>
-                                <p:cTn id="80" presetID="42" presetClass="path" presetSubtype="0" accel="50000" decel="50000" fill="hold" grpId="1" nodeType="clickEffect">
+                                <p:cTn id="70" presetID="42" presetClass="path" presetSubtype="0" accel="50000" decel="50000" fill="hold" grpId="1" nodeType="clickEffect">
                                   <p:stCondLst>
                                     <p:cond delay="0"/>
                                   </p:stCondLst>
                                   <p:childTnLst>
                                     <p:animMotion origin="layout" path="M -1.11111E-6 1.21387E-6 L -1.11111E-6 0.29896 " pathEditMode="relative" rAng="0" ptsTypes="AA">
                                       <p:cBhvr>
-                                        <p:cTn id="81" dur="2000" fill="hold"/>
+                                        <p:cTn id="71" dur="2000" fill="hold"/>
                                         <p:tgtEl>
                                           <p:spTgt spid="22"/>
                                         </p:tgtEl>
@@ -7021,26 +6942,26 @@
                     </p:cTn>
                   </p:par>
                   <p:par>
-                    <p:cTn id="82" fill="hold">
+                    <p:cTn id="72" fill="hold">
                       <p:stCondLst>
                         <p:cond delay="indefinite"/>
                       </p:stCondLst>
                       <p:childTnLst>
                         <p:par>
-                          <p:cTn id="83" fill="hold">
+                          <p:cTn id="73" fill="hold">
                             <p:stCondLst>
                               <p:cond delay="0"/>
                             </p:stCondLst>
                             <p:childTnLst>
                               <p:par>
-                                <p:cTn id="84" presetID="50" presetClass="path" presetSubtype="0" accel="50000" decel="50000" fill="hold" grpId="2" nodeType="clickEffect">
+                                <p:cTn id="74" presetID="50" presetClass="path" presetSubtype="0" accel="50000" decel="50000" fill="hold" grpId="2" nodeType="clickEffect">
                                   <p:stCondLst>
                                     <p:cond delay="0"/>
                                   </p:stCondLst>
                                   <p:childTnLst>
                                     <p:animMotion origin="layout" path="M -4.72222E-6 0.29907 L -4.72222E-6 0.41852 C -4.72222E-6 0.47268 0.0033 0.5412 0.00591 0.5412 L 0.01164 0.5412 " pathEditMode="relative" rAng="5400000" ptsTypes="FfFF">
                                       <p:cBhvr>
-                                        <p:cTn id="85" dur="2000" fill="hold"/>
+                                        <p:cTn id="75" dur="2000" fill="hold"/>
                                         <p:tgtEl>
                                           <p:spTgt spid="22"/>
                                         </p:tgtEl>
@@ -7061,26 +6982,26 @@
                     </p:cTn>
                   </p:par>
                   <p:par>
-                    <p:cTn id="86" fill="hold">
+                    <p:cTn id="76" fill="hold">
                       <p:stCondLst>
                         <p:cond delay="indefinite"/>
                       </p:stCondLst>
                       <p:childTnLst>
                         <p:par>
-                          <p:cTn id="87" fill="hold">
+                          <p:cTn id="77" fill="hold">
                             <p:stCondLst>
                               <p:cond delay="0"/>
                             </p:stCondLst>
                             <p:childTnLst>
                               <p:par>
-                                <p:cTn id="88" presetID="53" presetClass="entr" presetSubtype="16" fill="hold" grpId="0" nodeType="clickEffect">
+                                <p:cTn id="78" presetID="53" presetClass="entr" presetSubtype="16" fill="hold" grpId="0" nodeType="clickEffect">
                                   <p:stCondLst>
                                     <p:cond delay="0"/>
                                   </p:stCondLst>
                                   <p:childTnLst>
                                     <p:set>
                                       <p:cBhvr>
-                                        <p:cTn id="89" dur="1" fill="hold">
+                                        <p:cTn id="79" dur="1" fill="hold">
                                           <p:stCondLst>
                                             <p:cond delay="0"/>
                                           </p:stCondLst>
@@ -7098,7 +7019,7 @@
                                     </p:set>
                                     <p:anim calcmode="lin" valueType="num">
                                       <p:cBhvr>
-                                        <p:cTn id="90" dur="500" fill="hold"/>
+                                        <p:cTn id="80" dur="500" fill="hold"/>
                                         <p:tgtEl>
                                           <p:spTgt spid="23"/>
                                         </p:tgtEl>
@@ -7121,7 +7042,7 @@
                                     </p:anim>
                                     <p:anim calcmode="lin" valueType="num">
                                       <p:cBhvr>
-                                        <p:cTn id="91" dur="500" fill="hold"/>
+                                        <p:cTn id="81" dur="500" fill="hold"/>
                                         <p:tgtEl>
                                           <p:spTgt spid="23"/>
                                         </p:tgtEl>
@@ -7144,7 +7065,7 @@
                                     </p:anim>
                                     <p:animEffect transition="in" filter="fade">
                                       <p:cBhvr>
-                                        <p:cTn id="92" dur="500"/>
+                                        <p:cTn id="82" dur="500"/>
                                         <p:tgtEl>
                                           <p:spTgt spid="23"/>
                                         </p:tgtEl>
@@ -7160,26 +7081,26 @@
                     </p:cTn>
                   </p:par>
                   <p:par>
-                    <p:cTn id="93" fill="hold">
+                    <p:cTn id="83" fill="hold">
                       <p:stCondLst>
                         <p:cond delay="indefinite"/>
                       </p:stCondLst>
                       <p:childTnLst>
                         <p:par>
-                          <p:cTn id="94" fill="hold">
+                          <p:cTn id="84" fill="hold">
                             <p:stCondLst>
                               <p:cond delay="0"/>
                             </p:stCondLst>
                             <p:childTnLst>
                               <p:par>
-                                <p:cTn id="95" presetID="42" presetClass="path" presetSubtype="0" accel="50000" decel="50000" fill="hold" grpId="1" nodeType="clickEffect">
+                                <p:cTn id="85" presetID="42" presetClass="path" presetSubtype="0" accel="50000" decel="50000" fill="hold" grpId="1" nodeType="clickEffect">
                                   <p:stCondLst>
                                     <p:cond delay="0"/>
                                   </p:stCondLst>
                                   <p:childTnLst>
                                     <p:animMotion origin="layout" path="M -1.11111E-6 1.21387E-6 L -1.11111E-6 0.29896 " pathEditMode="relative" rAng="0" ptsTypes="AA">
                                       <p:cBhvr>
-                                        <p:cTn id="96" dur="2000" fill="hold"/>
+                                        <p:cTn id="86" dur="2000" fill="hold"/>
                                         <p:tgtEl>
                                           <p:spTgt spid="23"/>
                                         </p:tgtEl>
@@ -7200,26 +7121,26 @@
                     </p:cTn>
                   </p:par>
                   <p:par>
-                    <p:cTn id="97" fill="hold">
+                    <p:cTn id="87" fill="hold">
                       <p:stCondLst>
                         <p:cond delay="indefinite"/>
                       </p:stCondLst>
                       <p:childTnLst>
                         <p:par>
-                          <p:cTn id="98" fill="hold">
+                          <p:cTn id="88" fill="hold">
                             <p:stCondLst>
                               <p:cond delay="0"/>
                             </p:stCondLst>
                             <p:childTnLst>
                               <p:par>
-                                <p:cTn id="99" presetID="50" presetClass="path" presetSubtype="0" accel="50000" decel="50000" fill="hold" grpId="2" nodeType="clickEffect">
+                                <p:cTn id="89" presetID="50" presetClass="path" presetSubtype="0" accel="50000" decel="50000" fill="hold" grpId="2" nodeType="clickEffect">
                                   <p:stCondLst>
                                     <p:cond delay="0"/>
                                   </p:stCondLst>
                                   <p:childTnLst>
                                     <p:animMotion origin="layout" path="M 0.0007 0.2993 L 0.0007 0.41805 C 0.0007 0.47199 -0.02309 0.54097 -0.04114 0.54074 L -0.08125 0.54074 " pathEditMode="relative" rAng="5400000" ptsTypes="FfFF">
                                       <p:cBhvr>
-                                        <p:cTn id="100" dur="2000" fill="hold"/>
+                                        <p:cTn id="90" dur="2000" fill="hold"/>
                                         <p:tgtEl>
                                           <p:spTgt spid="23"/>
                                         </p:tgtEl>
@@ -7240,26 +7161,26 @@
                     </p:cTn>
                   </p:par>
                   <p:par>
-                    <p:cTn id="101" fill="hold">
+                    <p:cTn id="91" fill="hold">
                       <p:stCondLst>
                         <p:cond delay="indefinite"/>
                       </p:stCondLst>
                       <p:childTnLst>
                         <p:par>
-                          <p:cTn id="102" fill="hold">
+                          <p:cTn id="92" fill="hold">
                             <p:stCondLst>
                               <p:cond delay="0"/>
                             </p:stCondLst>
                             <p:childTnLst>
                               <p:par>
-                                <p:cTn id="103" presetID="53" presetClass="entr" presetSubtype="16" fill="hold" grpId="0" nodeType="clickEffect">
+                                <p:cTn id="93" presetID="53" presetClass="entr" presetSubtype="16" fill="hold" grpId="0" nodeType="clickEffect">
                                   <p:stCondLst>
                                     <p:cond delay="0"/>
                                   </p:stCondLst>
                                   <p:childTnLst>
                                     <p:set>
                                       <p:cBhvr>
-                                        <p:cTn id="104" dur="1" fill="hold">
+                                        <p:cTn id="94" dur="1" fill="hold">
                                           <p:stCondLst>
                                             <p:cond delay="0"/>
                                           </p:stCondLst>
@@ -7277,7 +7198,7 @@
                                     </p:set>
                                     <p:anim calcmode="lin" valueType="num">
                                       <p:cBhvr>
-                                        <p:cTn id="105" dur="500" fill="hold"/>
+                                        <p:cTn id="95" dur="500" fill="hold"/>
                                         <p:tgtEl>
                                           <p:spTgt spid="24"/>
                                         </p:tgtEl>
@@ -7300,7 +7221,7 @@
                                     </p:anim>
                                     <p:anim calcmode="lin" valueType="num">
                                       <p:cBhvr>
-                                        <p:cTn id="106" dur="500" fill="hold"/>
+                                        <p:cTn id="96" dur="500" fill="hold"/>
                                         <p:tgtEl>
                                           <p:spTgt spid="24"/>
                                         </p:tgtEl>
@@ -7323,7 +7244,7 @@
                                     </p:anim>
                                     <p:animEffect transition="in" filter="fade">
                                       <p:cBhvr>
-                                        <p:cTn id="107" dur="500"/>
+                                        <p:cTn id="97" dur="500"/>
                                         <p:tgtEl>
                                           <p:spTgt spid="24"/>
                                         </p:tgtEl>
@@ -7339,26 +7260,26 @@
                     </p:cTn>
                   </p:par>
                   <p:par>
-                    <p:cTn id="108" fill="hold">
+                    <p:cTn id="98" fill="hold">
                       <p:stCondLst>
                         <p:cond delay="indefinite"/>
                       </p:stCondLst>
                       <p:childTnLst>
                         <p:par>
-                          <p:cTn id="109" fill="hold">
+                          <p:cTn id="99" fill="hold">
                             <p:stCondLst>
                               <p:cond delay="0"/>
                             </p:stCondLst>
                             <p:childTnLst>
                               <p:par>
-                                <p:cTn id="110" presetID="42" presetClass="path" presetSubtype="0" accel="50000" decel="50000" fill="hold" grpId="1" nodeType="clickEffect">
+                                <p:cTn id="100" presetID="42" presetClass="path" presetSubtype="0" accel="50000" decel="50000" fill="hold" grpId="1" nodeType="clickEffect">
                                   <p:stCondLst>
                                     <p:cond delay="0"/>
                                   </p:stCondLst>
                                   <p:childTnLst>
                                     <p:animMotion origin="layout" path="M -1.11111E-6 1.21387E-6 L -1.11111E-6 0.29896 " pathEditMode="relative" rAng="0" ptsTypes="AA">
                                       <p:cBhvr>
-                                        <p:cTn id="111" dur="2000" fill="hold"/>
+                                        <p:cTn id="101" dur="2000" fill="hold"/>
                                         <p:tgtEl>
                                           <p:spTgt spid="24"/>
                                         </p:tgtEl>
@@ -7379,26 +7300,26 @@
                     </p:cTn>
                   </p:par>
                   <p:par>
-                    <p:cTn id="112" fill="hold">
+                    <p:cTn id="102" fill="hold">
                       <p:stCondLst>
                         <p:cond delay="indefinite"/>
                       </p:stCondLst>
                       <p:childTnLst>
                         <p:par>
-                          <p:cTn id="113" fill="hold">
+                          <p:cTn id="103" fill="hold">
                             <p:stCondLst>
                               <p:cond delay="0"/>
                             </p:stCondLst>
                             <p:childTnLst>
                               <p:par>
-                                <p:cTn id="114" presetID="50" presetClass="path" presetSubtype="0" accel="50000" decel="50000" fill="hold" grpId="2" nodeType="clickEffect">
+                                <p:cTn id="104" presetID="50" presetClass="path" presetSubtype="0" accel="50000" decel="50000" fill="hold" grpId="2" nodeType="clickEffect">
                                   <p:stCondLst>
                                     <p:cond delay="0"/>
                                   </p:stCondLst>
                                   <p:childTnLst>
                                     <p:animMotion origin="layout" path="M 0.00052 0.29931 L 0.00052 0.41806 C 0.00052 0.47199 -0.0533 0.54097 -0.09427 0.54074 L -0.1849 0.54074 " pathEditMode="relative" rAng="5400000" ptsTypes="FfFF">
                                       <p:cBhvr>
-                                        <p:cTn id="115" dur="2000" fill="hold"/>
+                                        <p:cTn id="105" dur="2000" fill="hold"/>
                                         <p:tgtEl>
                                           <p:spTgt spid="24"/>
                                         </p:tgtEl>
@@ -7440,8 +7361,6 @@
       </p:par>
     </p:tnLst>
     <p:bldLst>
-      <p:bldP spid="4" grpId="0" animBg="1"/>
-      <p:bldP spid="5" grpId="0" animBg="1"/>
       <p:bldP spid="6" grpId="0" animBg="1"/>
       <p:bldP spid="7" grpId="0"/>
       <p:bldP spid="10" grpId="0" animBg="1"/>
@@ -11475,7 +11394,7 @@
         <a:sysClr val="windowText" lastClr="000000"/>
       </a:dk1>
       <a:lt1>
-        <a:sysClr val="window" lastClr="FFFFFF"/>
+        <a:sysClr val="window" lastClr="C7EDCC"/>
       </a:lt1>
       <a:dk2>
         <a:srgbClr val="1F497D"/>
